--- a/A Game of Friends Poster.pptx
+++ b/A Game of Friends Poster.pptx
@@ -203,7 +203,7 @@
           <a:p>
             <a:fld id="{F1C0B079-A316-4C9B-B165-DF9EA8325D2C}" type="datetimeFigureOut">
               <a:rPr lang="en-US" smtClean="0"/>
-              <a:t>4/28/2017</a:t>
+              <a:t>5/3/2017</a:t>
             </a:fld>
             <a:endParaRPr lang="en-US"/>
           </a:p>
@@ -368,7 +368,7 @@
           <a:p>
             <a:fld id="{38F28AB8-57D1-494F-9851-055AD867E790}" type="datetimeFigureOut">
               <a:rPr lang="en-US" smtClean="0"/>
-              <a:t>4/28/2017</a:t>
+              <a:t>5/3/2017</a:t>
             </a:fld>
             <a:endParaRPr lang="en-US"/>
           </a:p>
@@ -4022,7 +4022,7 @@
           <a:p>
             <a:fld id="{ECAA57DF-1C19-4726-AB84-014692BAD8F5}" type="datetimeFigureOut">
               <a:rPr lang="en-US" smtClean="0"/>
-              <a:t>4/28/2017</a:t>
+              <a:t>5/3/2017</a:t>
             </a:fld>
             <a:endParaRPr lang="en-US"/>
           </a:p>
@@ -4361,7 +4361,7 @@
             <a:fld id="{ECAA57DF-1C19-4726-AB84-014692BAD8F5}" type="datetimeFigureOut">
               <a:rPr lang="en-US" smtClean="0"/>
               <a:pPr/>
-              <a:t>4/28/2017</a:t>
+              <a:t>5/3/2017</a:t>
             </a:fld>
             <a:endParaRPr lang="en-US"/>
           </a:p>
@@ -4952,15 +4952,7 @@
           <a:p>
             <a:r>
               <a:rPr lang="en-US" dirty="0" smtClean="0"/>
-              <a:t>Justin Sanny| B.J. Johnson </a:t>
-            </a:r>
-            <a:r>
-              <a:rPr lang="en-US" dirty="0" smtClean="0"/>
-              <a:t>| </a:t>
-            </a:r>
-            <a:r>
-              <a:rPr lang="en-US" dirty="0" smtClean="0"/>
-              <a:t>Loyola Marymount University</a:t>
+              <a:t>Justin Sanny| B.J. Johnson | Loyola Marymount University</a:t>
             </a:r>
             <a:endParaRPr lang="en-US" dirty="0"/>
           </a:p>
@@ -5016,7 +5008,27 @@
           <a:p>
             <a:r>
               <a:rPr lang="en-US" sz="8000" dirty="0" smtClean="0"/>
-              <a:t>A Game of Friends is a 2-player game, developed in Android. It has players answers a series of humorous questions. The questions are made to create a comfortable environment where each player can learn more about the other.</a:t>
+              <a:t>A Game of Friends is a 2-player game, developed </a:t>
+            </a:r>
+            <a:r>
+              <a:rPr lang="en-US" sz="8000" dirty="0" smtClean="0"/>
+              <a:t>for</a:t>
+            </a:r>
+            <a:r>
+              <a:rPr lang="en-US" sz="8000" dirty="0" smtClean="0"/>
+              <a:t> Android devices. </a:t>
+            </a:r>
+            <a:r>
+              <a:rPr lang="en-US" sz="8000" dirty="0" smtClean="0"/>
+              <a:t>It has players answers a series of humorous questions. </a:t>
+            </a:r>
+            <a:r>
+              <a:rPr lang="en-US" sz="8000" dirty="0" smtClean="0"/>
+              <a:t>These questions </a:t>
+            </a:r>
+            <a:r>
+              <a:rPr lang="en-US" sz="8000" dirty="0" smtClean="0"/>
+              <a:t>are made to create a comfortable environment where each player can learn more about the other.</a:t>
             </a:r>
             <a:endParaRPr lang="en-US" sz="8000" dirty="0"/>
           </a:p>
@@ -5094,7 +5106,6 @@
               <a:rPr lang="en-US" sz="7200" dirty="0" smtClean="0"/>
               <a:t>Receive score based on matching answers</a:t>
             </a:r>
-            <a:endParaRPr lang="en-US" sz="7200" dirty="0" smtClean="0"/>
           </a:p>
           <a:p>
             <a:endParaRPr lang="en-US" sz="6000" dirty="0"/>
@@ -5315,7 +5326,15 @@
           <a:p>
             <a:r>
               <a:rPr lang="en-US" sz="8000" dirty="0" smtClean="0"/>
-              <a:t>Gain experience with creating and following a self made development schedule</a:t>
+              <a:t>Gain experience with creating and following a </a:t>
+            </a:r>
+            <a:r>
+              <a:rPr lang="en-US" sz="8000" dirty="0" smtClean="0"/>
+              <a:t>self-made </a:t>
+            </a:r>
+            <a:r>
+              <a:rPr lang="en-US" sz="8000" dirty="0" smtClean="0"/>
+              <a:t>development schedule</a:t>
             </a:r>
           </a:p>
           <a:p>
